--- a/Final Presentation.pptx
+++ b/Final Presentation.pptx
@@ -5,7 +5,7 @@
     <p:sldMasterId id="2147483648" r:id="rId1"/>
   </p:sldMasterIdLst>
   <p:notesMasterIdLst>
-    <p:notesMasterId r:id="rId20"/>
+    <p:notesMasterId r:id="rId22"/>
   </p:notesMasterIdLst>
   <p:sldIdLst>
     <p:sldId id="256" r:id="rId2"/>
@@ -26,6 +26,8 @@
     <p:sldId id="275" r:id="rId17"/>
     <p:sldId id="276" r:id="rId18"/>
     <p:sldId id="277" r:id="rId19"/>
+    <p:sldId id="279" r:id="rId20"/>
+    <p:sldId id="278" r:id="rId21"/>
   </p:sldIdLst>
   <p:sldSz cx="12192000" cy="6858000"/>
   <p:notesSz cx="6858000" cy="9144000"/>
@@ -263,7 +265,7 @@
       <p15:sldGuideLst xmlns:p15="http://schemas.microsoft.com/office/powerpoint/2012/main"/>
     </p:ext>
     <p:ext uri="http://customooxmlschemas.google.com/">
-      <go:slidesCustomData xmlns="" xmlns:mc="http://schemas.openxmlformats.org/markup-compatibility/2006" xmlns:mv="urn:schemas-microsoft-com:mac:vml" xmlns:c="http://schemas.openxmlformats.org/drawingml/2006/chart" xmlns:dgm="http://schemas.openxmlformats.org/drawingml/2006/diagram" xmlns:o="urn:schemas-microsoft-com:office:office" xmlns:v="urn:schemas-microsoft-com:vml" xmlns:pvml="urn:schemas-microsoft-com:office:powerpoint" xmlns:com="http://schemas.openxmlformats.org/drawingml/2006/compatibility" xmlns:p14="http://schemas.microsoft.com/office/powerpoint/2010/main" xmlns:p15="http://schemas.microsoft.com/office/powerpoint/2012/main" xmlns:ahyp="http://schemas.microsoft.com/office/drawing/2018/hyperlinkcolor" xmlns:go="http://customooxmlschemas.google.com/" r:id="rId27" roundtripDataSignature="AMtx7miOz8PnopAO2iTDq/A1zNmhwKe0bg=="/>
+      <go:slidesCustomData xmlns:go="http://customooxmlschemas.google.com/" xmlns:ahyp="http://schemas.microsoft.com/office/drawing/2018/hyperlinkcolor" xmlns:p15="http://schemas.microsoft.com/office/powerpoint/2012/main" xmlns:p14="http://schemas.microsoft.com/office/powerpoint/2010/main" xmlns:com="http://schemas.openxmlformats.org/drawingml/2006/compatibility" xmlns:pvml="urn:schemas-microsoft-com:office:powerpoint" xmlns:v="urn:schemas-microsoft-com:vml" xmlns:o="urn:schemas-microsoft-com:office:office" xmlns:dgm="http://schemas.openxmlformats.org/drawingml/2006/diagram" xmlns:c="http://schemas.openxmlformats.org/drawingml/2006/chart" xmlns:mv="urn:schemas-microsoft-com:mac:vml" xmlns:mc="http://schemas.openxmlformats.org/markup-compatibility/2006" xmlns="" r:id="rId27" roundtripDataSignature="AMtx7miOz8PnopAO2iTDq/A1zNmhwKe0bg=="/>
     </p:ext>
   </p:extLst>
 </p:presentation>
@@ -15178,8 +15180,8 @@
           </a:p>
         </p:txBody>
       </p:sp>
-      <mc:AlternateContent xmlns:mc="http://schemas.openxmlformats.org/markup-compatibility/2006" xmlns:a14="http://schemas.microsoft.com/office/drawing/2010/main">
-        <mc:Choice Requires="a14">
+      <mc:AlternateContent xmlns:mc="http://schemas.openxmlformats.org/markup-compatibility/2006">
+        <mc:Choice xmlns:a14="http://schemas.microsoft.com/office/drawing/2010/main" Requires="a14">
           <p:sp>
             <p:nvSpPr>
               <p:cNvPr id="255" name="Google Shape;255;p11"/>
@@ -15221,7 +15223,7 @@
                 </a:r>
               </a:p>
               <a:p>
-                <a:pPr marL="635000" indent="-457200">
+                <a:pPr marL="1092200" lvl="1" indent="-457200">
                   <a:spcBef>
                     <a:spcPts val="0"/>
                   </a:spcBef>
@@ -15270,12 +15272,24 @@
                   <a:rPr lang="en-US" dirty="0"/>
                   <a:t> Method does not guarantee a tridiagonal matrix</a:t>
                 </a:r>
+              </a:p>
+              <a:p>
+                <a:pPr marL="635000" indent="-457200">
+                  <a:spcBef>
+                    <a:spcPts val="0"/>
+                  </a:spcBef>
+                  <a:buSzPts val="2800"/>
+                </a:pPr>
+                <a:r>
+                  <a:rPr lang="en-US" dirty="0"/>
+                  <a:t>The Thomas Algorithm is only valid for tridiagonal matrices </a:t>
+                </a:r>
                 <a:endParaRPr dirty="0"/>
               </a:p>
             </p:txBody>
           </p:sp>
         </mc:Choice>
-        <mc:Fallback xmlns="">
+        <mc:Fallback>
           <p:sp>
             <p:nvSpPr>
               <p:cNvPr id="255" name="Google Shape;255;p11"/>
@@ -15320,6 +15334,205 @@
         </mc:Fallback>
       </mc:AlternateContent>
     </p:spTree>
+  </p:cSld>
+  <p:clrMapOvr>
+    <a:masterClrMapping/>
+  </p:clrMapOvr>
+</p:sld>
+</file>
+
+<file path=ppt/slides/slide19.xml><?xml version="1.0" encoding="utf-8"?>
+<p:sld xmlns:a="http://schemas.openxmlformats.org/drawingml/2006/main" xmlns:r="http://schemas.openxmlformats.org/officeDocument/2006/relationships" xmlns:p="http://schemas.openxmlformats.org/presentationml/2006/main">
+  <p:cSld>
+    <p:spTree>
+      <p:nvGrpSpPr>
+        <p:cNvPr id="1" name=""/>
+        <p:cNvGrpSpPr/>
+        <p:nvPr/>
+      </p:nvGrpSpPr>
+      <p:grpSpPr>
+        <a:xfrm>
+          <a:off x="0" y="0"/>
+          <a:ext cx="0" cy="0"/>
+          <a:chOff x="0" y="0"/>
+          <a:chExt cx="0" cy="0"/>
+        </a:xfrm>
+      </p:grpSpPr>
+      <p:sp>
+        <p:nvSpPr>
+          <p:cNvPr id="2" name="Title 1">
+            <a:extLst>
+              <a:ext uri="{FF2B5EF4-FFF2-40B4-BE49-F238E27FC236}">
+                <a16:creationId xmlns:a16="http://schemas.microsoft.com/office/drawing/2014/main" id="{84963803-E603-50B2-898D-B4DC925EB54E}"/>
+              </a:ext>
+            </a:extLst>
+          </p:cNvPr>
+          <p:cNvSpPr>
+            <a:spLocks noGrp="1"/>
+          </p:cNvSpPr>
+          <p:nvPr>
+            <p:ph type="title"/>
+          </p:nvPr>
+        </p:nvSpPr>
+        <p:spPr/>
+        <p:txBody>
+          <a:bodyPr/>
+          <a:lstStyle/>
+          <a:p>
+            <a:r>
+              <a:rPr lang="en-US" dirty="0" err="1"/>
+              <a:t>Referances</a:t>
+            </a:r>
+            <a:endParaRPr lang="en-US" dirty="0"/>
+          </a:p>
+        </p:txBody>
+      </p:sp>
+      <p:sp>
+        <p:nvSpPr>
+          <p:cNvPr id="3" name="Text Placeholder 2">
+            <a:extLst>
+              <a:ext uri="{FF2B5EF4-FFF2-40B4-BE49-F238E27FC236}">
+                <a16:creationId xmlns:a16="http://schemas.microsoft.com/office/drawing/2014/main" id="{975C0CD4-A019-1813-891F-BB702146D734}"/>
+              </a:ext>
+            </a:extLst>
+          </p:cNvPr>
+          <p:cNvSpPr>
+            <a:spLocks noGrp="1"/>
+          </p:cNvSpPr>
+          <p:nvPr>
+            <p:ph type="body" idx="1"/>
+          </p:nvPr>
+        </p:nvSpPr>
+        <p:spPr/>
+        <p:txBody>
+          <a:bodyPr>
+            <a:normAutofit fontScale="85000" lnSpcReduction="20000"/>
+          </a:bodyPr>
+          <a:lstStyle/>
+          <a:p>
+            <a:pPr marL="114300" indent="0">
+              <a:buNone/>
+            </a:pPr>
+            <a:r>
+              <a:rPr lang="en-US" dirty="0"/>
+              <a:t>[1] A. </a:t>
+            </a:r>
+            <a:r>
+              <a:rPr lang="en-US" dirty="0" err="1"/>
+              <a:t>Povitsky</a:t>
+            </a:r>
+            <a:r>
+              <a:rPr lang="en-US" dirty="0"/>
+              <a:t>. Efficient parallel-by-line methods in </a:t>
+            </a:r>
+            <a:r>
+              <a:rPr lang="en-US" dirty="0" err="1"/>
+              <a:t>cfd</a:t>
+            </a:r>
+            <a:r>
+              <a:rPr lang="en-US" dirty="0"/>
+              <a:t>. In D. KEYES, A. ECER, J. PERIAUX, N. SATOFUKA, and P. FOX, editors, Parallel Computational Fluid Dynamics 1999, pages 337– 343. North-Holland, Amsterdam, 2000.</a:t>
+            </a:r>
+          </a:p>
+          <a:p>
+            <a:pPr marL="114300" indent="0">
+              <a:buNone/>
+            </a:pPr>
+            <a:r>
+              <a:rPr lang="en-US" dirty="0"/>
+              <a:t>[2] Bastian E. Rapp. Chapter 32 - finite element method. In Bastian E. Rapp, editor, Microfluidics: Modelling, Mechanics and Mathematics, Micro and Nano Technologies, pages 655–678. Elsevier, Oxford, 2017. </a:t>
+            </a:r>
+          </a:p>
+          <a:p>
+            <a:pPr marL="114300" indent="0">
+              <a:buNone/>
+            </a:pPr>
+            <a:r>
+              <a:rPr lang="en-US" dirty="0"/>
+              <a:t>[3] C.S. Yu and J. </a:t>
+            </a:r>
+            <a:r>
+              <a:rPr lang="en-US" dirty="0" err="1"/>
+              <a:t>Berlamont</a:t>
+            </a:r>
+            <a:r>
+              <a:rPr lang="en-US" dirty="0"/>
+              <a:t>. Modelling tidal flows in the northwest </a:t>
+            </a:r>
+            <a:r>
+              <a:rPr lang="en-US" dirty="0" err="1"/>
+              <a:t>european</a:t>
+            </a:r>
+            <a:r>
+              <a:rPr lang="en-US" dirty="0"/>
+              <a:t> continental shelf seas on parallel computers. In C.A. Lin, A. </a:t>
+            </a:r>
+            <a:r>
+              <a:rPr lang="en-US" dirty="0" err="1"/>
+              <a:t>Ecer</a:t>
+            </a:r>
+            <a:r>
+              <a:rPr lang="en-US" dirty="0"/>
+              <a:t>, J. </a:t>
+            </a:r>
+            <a:r>
+              <a:rPr lang="en-US" dirty="0" err="1"/>
+              <a:t>Periaux</a:t>
+            </a:r>
+            <a:r>
+              <a:rPr lang="en-US" dirty="0"/>
+              <a:t>, N. </a:t>
+            </a:r>
+            <a:r>
+              <a:rPr lang="en-US" dirty="0" err="1"/>
+              <a:t>Satofuka</a:t>
+            </a:r>
+            <a:r>
+              <a:rPr lang="en-US" dirty="0"/>
+              <a:t>, and P. Fox, editors, Parallel Computational Fluid Dynamics 1998, pages 525–532. North-Holland, Amsterdam, 1999. </a:t>
+            </a:r>
+          </a:p>
+          <a:p>
+            <a:pPr marL="114300" indent="0">
+              <a:buNone/>
+            </a:pPr>
+            <a:r>
+              <a:rPr lang="en-US" dirty="0"/>
+              <a:t>[4] Yao Zhang, Jonathan Cohen, Andrew A. Davidson, and John D. Owens. Chapter 11 - a hybrid method for solving tridiagonal systems on the </a:t>
+            </a:r>
+            <a:r>
+              <a:rPr lang="en-US" dirty="0" err="1"/>
+              <a:t>gpu</a:t>
+            </a:r>
+            <a:r>
+              <a:rPr lang="en-US" dirty="0"/>
+              <a:t>. In Wen </a:t>
+            </a:r>
+            <a:r>
+              <a:rPr lang="en-US" dirty="0" err="1"/>
+              <a:t>mei</a:t>
+            </a:r>
+            <a:r>
+              <a:rPr lang="en-US" dirty="0"/>
+              <a:t> W. </a:t>
+            </a:r>
+            <a:r>
+              <a:rPr lang="en-US" dirty="0" err="1"/>
+              <a:t>Hwu</a:t>
+            </a:r>
+            <a:r>
+              <a:rPr lang="en-US" dirty="0"/>
+              <a:t>, editor, GPU Computing Gems Jade Edition, Applications of GPU Computing Series, pages 117–132. Morgan Kaufmann, Boston, 2012.</a:t>
+            </a:r>
+          </a:p>
+        </p:txBody>
+      </p:sp>
+    </p:spTree>
+    <p:extLst>
+      <p:ext uri="{BB962C8B-B14F-4D97-AF65-F5344CB8AC3E}">
+        <p14:creationId xmlns:p14="http://schemas.microsoft.com/office/powerpoint/2010/main" val="500831057"/>
+      </p:ext>
+    </p:extLst>
   </p:cSld>
   <p:clrMapOvr>
     <a:masterClrMapping/>
@@ -15670,6 +15883,125 @@
         </p:txBody>
       </p:sp>
     </p:spTree>
+  </p:cSld>
+  <p:clrMapOvr>
+    <a:masterClrMapping/>
+  </p:clrMapOvr>
+</p:sld>
+</file>
+
+<file path=ppt/slides/slide20.xml><?xml version="1.0" encoding="utf-8"?>
+<p:sld xmlns:a="http://schemas.openxmlformats.org/drawingml/2006/main" xmlns:r="http://schemas.openxmlformats.org/officeDocument/2006/relationships" xmlns:p="http://schemas.openxmlformats.org/presentationml/2006/main">
+  <p:cSld>
+    <p:spTree>
+      <p:nvGrpSpPr>
+        <p:cNvPr id="1" name=""/>
+        <p:cNvGrpSpPr/>
+        <p:nvPr/>
+      </p:nvGrpSpPr>
+      <p:grpSpPr>
+        <a:xfrm>
+          <a:off x="0" y="0"/>
+          <a:ext cx="0" cy="0"/>
+          <a:chOff x="0" y="0"/>
+          <a:chExt cx="0" cy="0"/>
+        </a:xfrm>
+      </p:grpSpPr>
+      <p:sp>
+        <p:nvSpPr>
+          <p:cNvPr id="2" name="Title 1">
+            <a:extLst>
+              <a:ext uri="{FF2B5EF4-FFF2-40B4-BE49-F238E27FC236}">
+                <a16:creationId xmlns:a16="http://schemas.microsoft.com/office/drawing/2014/main" id="{F437ED6C-7C0E-843E-A59D-2162C1928BB6}"/>
+              </a:ext>
+            </a:extLst>
+          </p:cNvPr>
+          <p:cNvSpPr>
+            <a:spLocks noGrp="1"/>
+          </p:cNvSpPr>
+          <p:nvPr>
+            <p:ph type="title"/>
+          </p:nvPr>
+        </p:nvSpPr>
+        <p:spPr/>
+        <p:txBody>
+          <a:bodyPr/>
+          <a:lstStyle/>
+          <a:p>
+            <a:r>
+              <a:rPr lang="en-US" dirty="0"/>
+              <a:t>Links</a:t>
+            </a:r>
+          </a:p>
+        </p:txBody>
+      </p:sp>
+      <p:sp>
+        <p:nvSpPr>
+          <p:cNvPr id="3" name="Text Placeholder 2">
+            <a:extLst>
+              <a:ext uri="{FF2B5EF4-FFF2-40B4-BE49-F238E27FC236}">
+                <a16:creationId xmlns:a16="http://schemas.microsoft.com/office/drawing/2014/main" id="{5A9E0DD0-3C4E-5E96-0F35-FF1E97785F51}"/>
+              </a:ext>
+            </a:extLst>
+          </p:cNvPr>
+          <p:cNvSpPr>
+            <a:spLocks noGrp="1"/>
+          </p:cNvSpPr>
+          <p:nvPr>
+            <p:ph type="body" idx="1"/>
+          </p:nvPr>
+        </p:nvSpPr>
+        <p:spPr/>
+        <p:txBody>
+          <a:bodyPr/>
+          <a:lstStyle/>
+          <a:p>
+            <a:pPr marL="114300" indent="0">
+              <a:buNone/>
+            </a:pPr>
+            <a:r>
+              <a:rPr lang="en-US" dirty="0"/>
+              <a:t>https://aaronschwan.github.io/APPM4600FinalProjectSparseSolvers/</a:t>
+            </a:r>
+          </a:p>
+        </p:txBody>
+      </p:sp>
+      <p:pic>
+        <p:nvPicPr>
+          <p:cNvPr id="5" name="Picture 4">
+            <a:extLst>
+              <a:ext uri="{FF2B5EF4-FFF2-40B4-BE49-F238E27FC236}">
+                <a16:creationId xmlns:a16="http://schemas.microsoft.com/office/drawing/2014/main" id="{AB6F5CED-E2B2-CAC5-7725-8B9FEACAC141}"/>
+              </a:ext>
+            </a:extLst>
+          </p:cNvPr>
+          <p:cNvPicPr>
+            <a:picLocks noChangeAspect="1"/>
+          </p:cNvPicPr>
+          <p:nvPr/>
+        </p:nvPicPr>
+        <p:blipFill>
+          <a:blip r:embed="rId2"/>
+          <a:stretch>
+            <a:fillRect/>
+          </a:stretch>
+        </p:blipFill>
+        <p:spPr>
+          <a:xfrm>
+            <a:off x="4500196" y="2758108"/>
+            <a:ext cx="2514951" cy="2486372"/>
+          </a:xfrm>
+          <a:prstGeom prst="rect">
+            <a:avLst/>
+          </a:prstGeom>
+        </p:spPr>
+      </p:pic>
+    </p:spTree>
+    <p:extLst>
+      <p:ext uri="{BB962C8B-B14F-4D97-AF65-F5344CB8AC3E}">
+        <p14:creationId xmlns:p14="http://schemas.microsoft.com/office/powerpoint/2010/main" val="3917910007"/>
+      </p:ext>
+    </p:extLst>
   </p:cSld>
   <p:clrMapOvr>
     <a:masterClrMapping/>

--- a/Final Presentation.pptx
+++ b/Final Presentation.pptx
@@ -5,7 +5,7 @@
     <p:sldMasterId id="2147483648" r:id="rId1"/>
   </p:sldMasterIdLst>
   <p:notesMasterIdLst>
-    <p:notesMasterId r:id="rId22"/>
+    <p:notesMasterId r:id="rId23"/>
   </p:notesMasterIdLst>
   <p:sldIdLst>
     <p:sldId id="256" r:id="rId2"/>
@@ -28,6 +28,7 @@
     <p:sldId id="277" r:id="rId19"/>
     <p:sldId id="279" r:id="rId20"/>
     <p:sldId id="278" r:id="rId21"/>
+    <p:sldId id="280" r:id="rId22"/>
   </p:sldIdLst>
   <p:sldSz cx="12192000" cy="6858000"/>
   <p:notesSz cx="6858000" cy="9144000"/>
@@ -265,7 +266,7 @@
       <p15:sldGuideLst xmlns:p15="http://schemas.microsoft.com/office/powerpoint/2012/main"/>
     </p:ext>
     <p:ext uri="http://customooxmlschemas.google.com/">
-      <go:slidesCustomData xmlns:go="http://customooxmlschemas.google.com/" xmlns:ahyp="http://schemas.microsoft.com/office/drawing/2018/hyperlinkcolor" xmlns:p15="http://schemas.microsoft.com/office/powerpoint/2012/main" xmlns:p14="http://schemas.microsoft.com/office/powerpoint/2010/main" xmlns:com="http://schemas.openxmlformats.org/drawingml/2006/compatibility" xmlns:pvml="urn:schemas-microsoft-com:office:powerpoint" xmlns:v="urn:schemas-microsoft-com:vml" xmlns:o="urn:schemas-microsoft-com:office:office" xmlns:dgm="http://schemas.openxmlformats.org/drawingml/2006/diagram" xmlns:c="http://schemas.openxmlformats.org/drawingml/2006/chart" xmlns:mv="urn:schemas-microsoft-com:mac:vml" xmlns:mc="http://schemas.openxmlformats.org/markup-compatibility/2006" xmlns="" r:id="rId27" roundtripDataSignature="AMtx7miOz8PnopAO2iTDq/A1zNmhwKe0bg=="/>
+      <go:slidesCustomData xmlns="" xmlns:mc="http://schemas.openxmlformats.org/markup-compatibility/2006" xmlns:mv="urn:schemas-microsoft-com:mac:vml" xmlns:c="http://schemas.openxmlformats.org/drawingml/2006/chart" xmlns:dgm="http://schemas.openxmlformats.org/drawingml/2006/diagram" xmlns:o="urn:schemas-microsoft-com:office:office" xmlns:v="urn:schemas-microsoft-com:vml" xmlns:pvml="urn:schemas-microsoft-com:office:powerpoint" xmlns:com="http://schemas.openxmlformats.org/drawingml/2006/compatibility" xmlns:p14="http://schemas.microsoft.com/office/powerpoint/2010/main" xmlns:p15="http://schemas.microsoft.com/office/powerpoint/2012/main" xmlns:ahyp="http://schemas.microsoft.com/office/drawing/2018/hyperlinkcolor" xmlns:go="http://customooxmlschemas.google.com/" r:id="rId27" roundtripDataSignature="AMtx7miOz8PnopAO2iTDq/A1zNmhwKe0bg=="/>
     </p:ext>
   </p:extLst>
 </p:presentation>
@@ -15180,8 +15181,8 @@
           </a:p>
         </p:txBody>
       </p:sp>
-      <mc:AlternateContent xmlns:mc="http://schemas.openxmlformats.org/markup-compatibility/2006">
-        <mc:Choice xmlns:a14="http://schemas.microsoft.com/office/drawing/2010/main" Requires="a14">
+      <mc:AlternateContent xmlns:mc="http://schemas.openxmlformats.org/markup-compatibility/2006" xmlns:a14="http://schemas.microsoft.com/office/drawing/2010/main">
+        <mc:Choice Requires="a14">
           <p:sp>
             <p:nvSpPr>
               <p:cNvPr id="255" name="Google Shape;255;p11"/>
@@ -15289,7 +15290,7 @@
             </p:txBody>
           </p:sp>
         </mc:Choice>
-        <mc:Fallback>
+        <mc:Fallback xmlns="">
           <p:sp>
             <p:nvSpPr>
               <p:cNvPr id="255" name="Google Shape;255;p11"/>
@@ -16000,6 +16001,147 @@
     <p:extLst>
       <p:ext uri="{BB962C8B-B14F-4D97-AF65-F5344CB8AC3E}">
         <p14:creationId xmlns:p14="http://schemas.microsoft.com/office/powerpoint/2010/main" val="3917910007"/>
+      </p:ext>
+    </p:extLst>
+  </p:cSld>
+  <p:clrMapOvr>
+    <a:masterClrMapping/>
+  </p:clrMapOvr>
+</p:sld>
+</file>
+
+<file path=ppt/slides/slide21.xml><?xml version="1.0" encoding="utf-8"?>
+<p:sld xmlns:a="http://schemas.openxmlformats.org/drawingml/2006/main" xmlns:r="http://schemas.openxmlformats.org/officeDocument/2006/relationships" xmlns:p="http://schemas.openxmlformats.org/presentationml/2006/main">
+  <p:cSld>
+    <p:spTree>
+      <p:nvGrpSpPr>
+        <p:cNvPr id="1" name=""/>
+        <p:cNvGrpSpPr/>
+        <p:nvPr/>
+      </p:nvGrpSpPr>
+      <p:grpSpPr>
+        <a:xfrm>
+          <a:off x="0" y="0"/>
+          <a:ext cx="0" cy="0"/>
+          <a:chOff x="0" y="0"/>
+          <a:chExt cx="0" cy="0"/>
+        </a:xfrm>
+      </p:grpSpPr>
+      <p:sp>
+        <p:nvSpPr>
+          <p:cNvPr id="2" name="Title 1">
+            <a:extLst>
+              <a:ext uri="{FF2B5EF4-FFF2-40B4-BE49-F238E27FC236}">
+                <a16:creationId xmlns:a16="http://schemas.microsoft.com/office/drawing/2014/main" id="{49F5D6CC-3896-DC3D-AC96-1B24A0647FC0}"/>
+              </a:ext>
+            </a:extLst>
+          </p:cNvPr>
+          <p:cNvSpPr>
+            <a:spLocks noGrp="1"/>
+          </p:cNvSpPr>
+          <p:nvPr>
+            <p:ph type="title"/>
+          </p:nvPr>
+        </p:nvSpPr>
+        <p:spPr/>
+        <p:txBody>
+          <a:bodyPr/>
+          <a:lstStyle/>
+          <a:p>
+            <a:r>
+              <a:rPr lang="en-US" dirty="0"/>
+              <a:t>Standard vs Optimized </a:t>
+            </a:r>
+            <a:r>
+              <a:rPr lang="en-US"/>
+              <a:t>Thomas Algorithm</a:t>
+            </a:r>
+          </a:p>
+        </p:txBody>
+      </p:sp>
+      <p:sp>
+        <p:nvSpPr>
+          <p:cNvPr id="3" name="Text Placeholder 2">
+            <a:extLst>
+              <a:ext uri="{FF2B5EF4-FFF2-40B4-BE49-F238E27FC236}">
+                <a16:creationId xmlns:a16="http://schemas.microsoft.com/office/drawing/2014/main" id="{56536CC6-8B62-9B92-1876-CCB2A8C0A0B8}"/>
+              </a:ext>
+            </a:extLst>
+          </p:cNvPr>
+          <p:cNvSpPr>
+            <a:spLocks noGrp="1"/>
+          </p:cNvSpPr>
+          <p:nvPr>
+            <p:ph type="body" idx="1"/>
+          </p:nvPr>
+        </p:nvSpPr>
+        <p:spPr/>
+        <p:txBody>
+          <a:bodyPr/>
+          <a:lstStyle/>
+          <a:p>
+            <a:endParaRPr lang="en-US"/>
+          </a:p>
+        </p:txBody>
+      </p:sp>
+      <p:pic>
+        <p:nvPicPr>
+          <p:cNvPr id="5" name="Picture 4" descr="Chart, scatter chart&#10;&#10;Description automatically generated">
+            <a:extLst>
+              <a:ext uri="{FF2B5EF4-FFF2-40B4-BE49-F238E27FC236}">
+                <a16:creationId xmlns:a16="http://schemas.microsoft.com/office/drawing/2014/main" id="{CF6244BF-2AB4-2951-2BC0-A603CBBD2061}"/>
+              </a:ext>
+            </a:extLst>
+          </p:cNvPr>
+          <p:cNvPicPr>
+            <a:picLocks noChangeAspect="1"/>
+          </p:cNvPicPr>
+          <p:nvPr/>
+        </p:nvPicPr>
+        <p:blipFill>
+          <a:blip r:embed="rId2"/>
+          <a:stretch>
+            <a:fillRect/>
+          </a:stretch>
+        </p:blipFill>
+        <p:spPr>
+          <a:xfrm>
+            <a:off x="2771192" y="1831811"/>
+            <a:ext cx="6242496" cy="4661063"/>
+          </a:xfrm>
+          <a:prstGeom prst="roundRect">
+            <a:avLst>
+              <a:gd name="adj" fmla="val 2228"/>
+            </a:avLst>
+          </a:prstGeom>
+          <a:ln>
+            <a:noFill/>
+          </a:ln>
+          <a:effectLst>
+            <a:outerShdw blurRad="76200" dist="38100" dir="7800000" algn="tl" rotWithShape="0">
+              <a:srgbClr val="000000">
+                <a:alpha val="40000"/>
+              </a:srgbClr>
+            </a:outerShdw>
+          </a:effectLst>
+          <a:scene3d>
+            <a:camera prst="orthographicFront"/>
+            <a:lightRig rig="contrasting" dir="t">
+              <a:rot lat="0" lon="0" rev="4200000"/>
+            </a:lightRig>
+          </a:scene3d>
+          <a:sp3d prstMaterial="plastic">
+            <a:bevelT w="381000" h="114300" prst="relaxedInset"/>
+            <a:contourClr>
+              <a:srgbClr val="969696"/>
+            </a:contourClr>
+          </a:sp3d>
+        </p:spPr>
+      </p:pic>
+    </p:spTree>
+    <p:extLst>
+      <p:ext uri="{BB962C8B-B14F-4D97-AF65-F5344CB8AC3E}">
+        <p14:creationId xmlns:p14="http://schemas.microsoft.com/office/powerpoint/2010/main" val="3490441734"/>
       </p:ext>
     </p:extLst>
   </p:cSld>
